--- a/Workshops/Workshop3.pptx
+++ b/Workshops/Workshop3.pptx
@@ -4528,7 +4528,7 @@
       </p:sp>
       <p:pic>
         <p:nvPicPr>
-          <p:cNvPr descr="Images/Point%20and%20click.png" id="0" name="Picture 1"/>
+          <p:cNvPr descr="../Images/Point%20and%20click.png" id="0" name="Picture 1"/>
           <p:cNvPicPr>
             <a:picLocks noGrp="1" noChangeAspect="1"/>
           </p:cNvPicPr>
@@ -4615,7 +4615,7 @@
       </p:sp>
       <p:pic>
         <p:nvPicPr>
-          <p:cNvPr descr="Images/ImportDataset1.png" id="0" name="Picture 1"/>
+          <p:cNvPr descr="../Images/ImportDataset1.png" id="0" name="Picture 1"/>
           <p:cNvPicPr>
             <a:picLocks noGrp="1" noChangeAspect="1"/>
           </p:cNvPicPr>
@@ -4766,7 +4766,7 @@
       </p:sp>
       <p:pic>
         <p:nvPicPr>
-          <p:cNvPr descr="Images/ImportDataset2.png" id="0" name="Picture 1"/>
+          <p:cNvPr descr="../Images/ImportDataset2.png" id="0" name="Picture 1"/>
           <p:cNvPicPr>
             <a:picLocks noGrp="1" noChangeAspect="1"/>
           </p:cNvPicPr>
@@ -4931,7 +4931,7 @@
       </p:sp>
       <p:pic>
         <p:nvPicPr>
-          <p:cNvPr descr="Images/ImportingDataset3.png" id="0" name="Picture 1"/>
+          <p:cNvPr descr="../Images/ImportingDataset3.png" id="0" name="Picture 1"/>
           <p:cNvPicPr>
             <a:picLocks noGrp="1" noChangeAspect="1"/>
           </p:cNvPicPr>
@@ -5387,7 +5387,7 @@
       </p:sp>
       <p:pic>
         <p:nvPicPr>
-          <p:cNvPr descr="Images/Tibble.png" id="0" name="Picture 1"/>
+          <p:cNvPr descr="../Images/Tibble.png" id="0" name="Picture 1"/>
           <p:cNvPicPr>
             <a:picLocks noGrp="1" noChangeAspect="1"/>
           </p:cNvPicPr>
@@ -5732,7 +5732,7 @@
       </p:sp>
       <p:pic>
         <p:nvPicPr>
-          <p:cNvPr descr="Images/View(cchic).png" id="0" name="Picture 1"/>
+          <p:cNvPr descr="../Images/View(cchic).png" id="0" name="Picture 1"/>
           <p:cNvPicPr>
             <a:picLocks noGrp="1" noChangeAspect="1"/>
           </p:cNvPicPr>
@@ -5916,7 +5916,7 @@
       </p:grpSpPr>
       <p:pic>
         <p:nvPicPr>
-          <p:cNvPr descr="Images/Clinician%20Coders%20Branding_FINAL_CMYK_Colour.png" id="0" name="Picture 1"/>
+          <p:cNvPr descr="../Images/Clinician%20Coders%20Branding_FINAL_CMYK_Colour.png" id="0" name="Picture 1"/>
           <p:cNvPicPr>
             <a:picLocks noGrp="1" noChangeAspect="1"/>
           </p:cNvPicPr>
@@ -6673,7 +6673,7 @@
               <a:t>## # A tibble: 1 x 1
 ##   sex  
 ##   &lt;chr&gt;
-## 1 F</a:t>
+## 1 M</a:t>
             </a:r>
           </a:p>
           <a:p>
@@ -7756,8 +7756,8 @@
                 <a:latin typeface="Courier"/>
               </a:rPr>
               <a:t>## 
-##  F  M 
-## 52 49</a:t>
+##   F   M 
+## 449 562</a:t>
             </a:r>
           </a:p>
         </p:txBody>
@@ -7896,8 +7896,8 @@
                 <a:latin typeface="Courier"/>
               </a:rPr>
               <a:t>## 
-##  A  D 
-## 89 12</a:t>
+##   A   D 
+## 908 103</a:t>
             </a:r>
           </a:p>
         </p:txBody>
@@ -8389,7 +8389,7 @@
       </p:sp>
       <p:pic>
         <p:nvPicPr>
-          <p:cNvPr descr="Images/UnformattedCSV.png" id="0" name="Picture 1"/>
+          <p:cNvPr descr="../Images/UnformattedCSV.png" id="0" name="Picture 1"/>
           <p:cNvPicPr>
             <a:picLocks noGrp="1" noChangeAspect="1"/>
           </p:cNvPicPr>
@@ -8566,7 +8566,7 @@
       </p:sp>
       <p:pic>
         <p:nvPicPr>
-          <p:cNvPr descr="Images/SaveAsCSV.png" id="0" name="Picture 1"/>
+          <p:cNvPr descr="../Images/SaveAsCSV.png" id="0" name="Picture 1"/>
           <p:cNvPicPr>
             <a:picLocks noGrp="1" noChangeAspect="1"/>
           </p:cNvPicPr>
@@ -8930,7 +8930,7 @@
       </p:sp>
       <p:pic>
         <p:nvPicPr>
-          <p:cNvPr descr="Images/FileProperties.png" id="0" name="Picture 1"/>
+          <p:cNvPr descr="../Images/FileProperties.png" id="0" name="Picture 1"/>
           <p:cNvPicPr>
             <a:picLocks noGrp="1" noChangeAspect="1"/>
           </p:cNvPicPr>
@@ -9137,7 +9137,7 @@
       </p:sp>
       <p:pic>
         <p:nvPicPr>
-          <p:cNvPr descr="images/Setwd.png" id="0" name="Picture 1"/>
+          <p:cNvPr descr="../Images/Setwd.png" id="0" name="Picture 1"/>
           <p:cNvPicPr>
             <a:picLocks noGrp="1" noChangeAspect="1"/>
           </p:cNvPicPr>

--- a/Workshops/Workshop3.pptx
+++ b/Workshops/Workshop3.pptx
@@ -7012,7 +7012,7 @@
               <a:rPr sz="1800">
                 <a:latin typeface="Courier"/>
               </a:rPr>
-              <a:t>Describe()</a:t>
+              <a:t>describe()</a:t>
             </a:r>
             <a:r>
               <a:rPr/>

--- a/Workshops/Workshop3.pptx
+++ b/Workshops/Workshop3.pptx
@@ -6671,9 +6671,9 @@
                 <a:latin typeface="Courier"/>
               </a:rPr>
               <a:t>## # A tibble: 1 x 1
-##   sex  
-##   &lt;chr&gt;
-## 1 M</a:t>
+##   temp_nc
+##     &lt;dbl&gt;
+## 1    36.1</a:t>
             </a:r>
           </a:p>
           <a:p>
@@ -7756,8 +7756,8 @@
                 <a:latin typeface="Courier"/>
               </a:rPr>
               <a:t>## 
-##   F   M 
-## 449 562</a:t>
+##    F    M 
+## 2246 2754</a:t>
             </a:r>
           </a:p>
         </p:txBody>
@@ -7896,8 +7896,8 @@
                 <a:latin typeface="Courier"/>
               </a:rPr>
               <a:t>## 
-##   A   D 
-## 908 103</a:t>
+##    A    D 
+## 4444  556</a:t>
             </a:r>
           </a:p>
         </p:txBody>
